--- a/Материалы/Презентация к курсовому проекту.pptx
+++ b/Материалы/Презентация к курсовому проекту.pptx
@@ -304,7 +304,7 @@
           <a:p>
             <a:fld id="{29F4B57B-1444-4D1D-A91C-A41998AB2002}" type="datetimeFigureOut">
               <a:rPr lang="ru-RU" smtClean="0"/>
-              <a:t>12.06.2023</a:t>
+              <a:t>15.06.2023</a:t>
             </a:fld>
             <a:endParaRPr lang="ru-RU"/>
           </a:p>
@@ -642,7 +642,7 @@
           <a:p>
             <a:fld id="{29F4B57B-1444-4D1D-A91C-A41998AB2002}" type="datetimeFigureOut">
               <a:rPr lang="ru-RU" smtClean="0"/>
-              <a:t>12.06.2023</a:t>
+              <a:t>15.06.2023</a:t>
             </a:fld>
             <a:endParaRPr lang="ru-RU"/>
           </a:p>
@@ -1043,7 +1043,7 @@
           <a:p>
             <a:fld id="{29F4B57B-1444-4D1D-A91C-A41998AB2002}" type="datetimeFigureOut">
               <a:rPr lang="ru-RU" smtClean="0"/>
-              <a:t>12.06.2023</a:t>
+              <a:t>15.06.2023</a:t>
             </a:fld>
             <a:endParaRPr lang="ru-RU"/>
           </a:p>
@@ -1379,7 +1379,7 @@
           <a:p>
             <a:fld id="{29F4B57B-1444-4D1D-A91C-A41998AB2002}" type="datetimeFigureOut">
               <a:rPr lang="ru-RU" smtClean="0"/>
-              <a:t>12.06.2023</a:t>
+              <a:t>15.06.2023</a:t>
             </a:fld>
             <a:endParaRPr lang="ru-RU"/>
           </a:p>
@@ -1699,7 +1699,7 @@
           <a:p>
             <a:fld id="{29F4B57B-1444-4D1D-A91C-A41998AB2002}" type="datetimeFigureOut">
               <a:rPr lang="ru-RU" smtClean="0"/>
-              <a:t>12.06.2023</a:t>
+              <a:t>15.06.2023</a:t>
             </a:fld>
             <a:endParaRPr lang="ru-RU"/>
           </a:p>
@@ -2095,7 +2095,7 @@
           <a:p>
             <a:fld id="{29F4B57B-1444-4D1D-A91C-A41998AB2002}" type="datetimeFigureOut">
               <a:rPr lang="ru-RU" smtClean="0"/>
-              <a:t>12.06.2023</a:t>
+              <a:t>15.06.2023</a:t>
             </a:fld>
             <a:endParaRPr lang="ru-RU"/>
           </a:p>
@@ -2352,7 +2352,7 @@
           <a:p>
             <a:fld id="{29F4B57B-1444-4D1D-A91C-A41998AB2002}" type="datetimeFigureOut">
               <a:rPr lang="ru-RU" smtClean="0"/>
-              <a:t>12.06.2023</a:t>
+              <a:t>15.06.2023</a:t>
             </a:fld>
             <a:endParaRPr lang="ru-RU"/>
           </a:p>
@@ -2614,7 +2614,7 @@
           <a:p>
             <a:fld id="{29F4B57B-1444-4D1D-A91C-A41998AB2002}" type="datetimeFigureOut">
               <a:rPr lang="ru-RU" smtClean="0"/>
-              <a:t>12.06.2023</a:t>
+              <a:t>15.06.2023</a:t>
             </a:fld>
             <a:endParaRPr lang="ru-RU"/>
           </a:p>
@@ -2876,7 +2876,7 @@
           <a:p>
             <a:fld id="{29F4B57B-1444-4D1D-A91C-A41998AB2002}" type="datetimeFigureOut">
               <a:rPr lang="ru-RU" smtClean="0"/>
-              <a:t>12.06.2023</a:t>
+              <a:t>15.06.2023</a:t>
             </a:fld>
             <a:endParaRPr lang="ru-RU"/>
           </a:p>
@@ -3205,7 +3205,7 @@
           <a:p>
             <a:fld id="{29F4B57B-1444-4D1D-A91C-A41998AB2002}" type="datetimeFigureOut">
               <a:rPr lang="ru-RU" smtClean="0"/>
-              <a:t>12.06.2023</a:t>
+              <a:t>15.06.2023</a:t>
             </a:fld>
             <a:endParaRPr lang="ru-RU"/>
           </a:p>
@@ -3528,7 +3528,7 @@
           <a:p>
             <a:fld id="{29F4B57B-1444-4D1D-A91C-A41998AB2002}" type="datetimeFigureOut">
               <a:rPr lang="ru-RU" smtClean="0"/>
-              <a:t>12.06.2023</a:t>
+              <a:t>15.06.2023</a:t>
             </a:fld>
             <a:endParaRPr lang="ru-RU"/>
           </a:p>
@@ -3985,7 +3985,7 @@
           <a:p>
             <a:fld id="{29F4B57B-1444-4D1D-A91C-A41998AB2002}" type="datetimeFigureOut">
               <a:rPr lang="ru-RU" smtClean="0"/>
-              <a:t>12.06.2023</a:t>
+              <a:t>15.06.2023</a:t>
             </a:fld>
             <a:endParaRPr lang="ru-RU"/>
           </a:p>
@@ -4190,7 +4190,7 @@
           <a:p>
             <a:fld id="{29F4B57B-1444-4D1D-A91C-A41998AB2002}" type="datetimeFigureOut">
               <a:rPr lang="ru-RU" smtClean="0"/>
-              <a:t>12.06.2023</a:t>
+              <a:t>15.06.2023</a:t>
             </a:fld>
             <a:endParaRPr lang="ru-RU"/>
           </a:p>
@@ -4367,7 +4367,7 @@
           <a:p>
             <a:fld id="{29F4B57B-1444-4D1D-A91C-A41998AB2002}" type="datetimeFigureOut">
               <a:rPr lang="ru-RU" smtClean="0"/>
-              <a:t>12.06.2023</a:t>
+              <a:t>15.06.2023</a:t>
             </a:fld>
             <a:endParaRPr lang="ru-RU"/>
           </a:p>
@@ -4700,7 +4700,7 @@
           <a:p>
             <a:fld id="{29F4B57B-1444-4D1D-A91C-A41998AB2002}" type="datetimeFigureOut">
               <a:rPr lang="ru-RU" smtClean="0"/>
-              <a:t>12.06.2023</a:t>
+              <a:t>15.06.2023</a:t>
             </a:fld>
             <a:endParaRPr lang="ru-RU"/>
           </a:p>
@@ -5045,7 +5045,7 @@
           <a:p>
             <a:fld id="{29F4B57B-1444-4D1D-A91C-A41998AB2002}" type="datetimeFigureOut">
               <a:rPr lang="ru-RU" smtClean="0"/>
-              <a:t>12.06.2023</a:t>
+              <a:t>15.06.2023</a:t>
             </a:fld>
             <a:endParaRPr lang="ru-RU"/>
           </a:p>
@@ -7162,7 +7162,7 @@
           <a:p>
             <a:fld id="{29F4B57B-1444-4D1D-A91C-A41998AB2002}" type="datetimeFigureOut">
               <a:rPr lang="ru-RU" smtClean="0"/>
-              <a:t>12.06.2023</a:t>
+              <a:t>15.06.2023</a:t>
             </a:fld>
             <a:endParaRPr lang="ru-RU"/>
           </a:p>
@@ -7697,7 +7697,7 @@
         </p:nvSpPr>
         <p:spPr>
           <a:xfrm>
-            <a:off x="1490133" y="970844"/>
+            <a:off x="2116002" y="2030141"/>
             <a:ext cx="9144000" cy="2064985"/>
           </a:xfrm>
         </p:spPr>
@@ -7711,7 +7711,6 @@
               <a:rPr lang="ru-RU" dirty="0"/>
               <a:t>Разработка социальной сети для гурманов</a:t>
             </a:r>
-            <a:endParaRPr lang="ru-RU" dirty="0"/>
           </a:p>
         </p:txBody>
       </p:sp>
@@ -7738,8 +7737,67 @@
             <a:pPr algn="r"/>
             <a:r>
               <a:rPr lang="ru-RU" dirty="0" smtClean="0"/>
-              <a:t>Кузнецов Никита</a:t>
-            </a:r>
+              <a:t>Кузнецов </a:t>
+            </a:r>
+            <a:r>
+              <a:rPr lang="ru-RU" dirty="0" smtClean="0"/>
+              <a:t>Никита 4-ИС-2</a:t>
+            </a:r>
+            <a:endParaRPr lang="ru-RU" dirty="0"/>
+          </a:p>
+        </p:txBody>
+      </p:sp>
+      <p:sp>
+        <p:nvSpPr>
+          <p:cNvPr id="4" name="TextBox 3"/>
+          <p:cNvSpPr txBox="1"/>
+          <p:nvPr/>
+        </p:nvSpPr>
+        <p:spPr>
+          <a:xfrm>
+            <a:off x="2434274" y="277366"/>
+            <a:ext cx="8507457" cy="1508105"/>
+          </a:xfrm>
+          <a:prstGeom prst="rect">
+            <a:avLst/>
+          </a:prstGeom>
+          <a:noFill/>
+        </p:spPr>
+        <p:txBody>
+          <a:bodyPr wrap="none" rtlCol="0">
+            <a:spAutoFit/>
+          </a:bodyPr>
+          <a:lstStyle/>
+          <a:p>
+            <a:pPr algn="ctr"/>
+            <a:r>
+              <a:rPr lang="ru-RU" b="1" dirty="0"/>
+              <a:t>ДЕПАРТАМЕНТ ОБРАЗОВАНИЯ ЯРОСЛАВСКОЙ ОБЛАСТИ</a:t>
+            </a:r>
+            <a:endParaRPr lang="ru-RU" dirty="0"/>
+          </a:p>
+          <a:p>
+            <a:pPr algn="ctr"/>
+            <a:r>
+              <a:rPr lang="ru-RU" dirty="0"/>
+              <a:t>государственное профессиональное образовательное учреждение </a:t>
+            </a:r>
+            <a:br>
+              <a:rPr lang="ru-RU" dirty="0"/>
+            </a:br>
+            <a:r>
+              <a:rPr lang="ru-RU" dirty="0"/>
+              <a:t>Ярославской области</a:t>
+            </a:r>
+          </a:p>
+          <a:p>
+            <a:pPr algn="ctr"/>
+            <a:r>
+              <a:rPr lang="ru-RU" sz="2000" b="1" dirty="0"/>
+              <a:t>Рыбинский полиграфический колледж</a:t>
+            </a:r>
+          </a:p>
+          <a:p>
             <a:endParaRPr lang="ru-RU" dirty="0"/>
           </a:p>
         </p:txBody>
@@ -7806,7 +7864,6 @@
               <a:rPr lang="ru-RU" dirty="0"/>
               <a:t>Цели курсового проекта</a:t>
             </a:r>
-            <a:endParaRPr lang="ru-RU" dirty="0"/>
           </a:p>
         </p:txBody>
       </p:sp>
@@ -7831,7 +7888,6 @@
               <a:rPr lang="ru-RU" sz="2800" dirty="0" smtClean="0"/>
               <a:t>Разработать макет и дизайн будущего приложения</a:t>
             </a:r>
-            <a:endParaRPr lang="ru-RU" sz="2800" dirty="0" smtClean="0"/>
           </a:p>
           <a:p>
             <a:pPr marL="342900" indent="-342900"/>
@@ -7910,11 +7966,7 @@
             <a:pPr algn="ctr"/>
             <a:r>
               <a:rPr lang="ru-RU" dirty="0" smtClean="0"/>
-              <a:t>Логическая </a:t>
-            </a:r>
-            <a:r>
-              <a:rPr lang="ru-RU" dirty="0" smtClean="0"/>
-              <a:t>модель </a:t>
+              <a:t>Логическая модель </a:t>
             </a:r>
             <a:r>
               <a:rPr lang="ru-RU" dirty="0"/>
@@ -8137,11 +8189,7 @@
             </a:r>
             <a:r>
               <a:rPr lang="ru-RU" sz="2800" dirty="0"/>
-              <a:t>разработан </a:t>
-            </a:r>
-            <a:r>
-              <a:rPr lang="ru-RU" sz="2800" dirty="0"/>
-              <a:t>макет </a:t>
+              <a:t>разработан макет </a:t>
             </a:r>
             <a:r>
               <a:rPr lang="ru-RU" sz="2800" dirty="0" smtClean="0"/>
@@ -8151,7 +8199,6 @@
               <a:rPr lang="ru-RU" sz="2800" dirty="0"/>
               <a:t>приложения </a:t>
             </a:r>
-            <a:endParaRPr lang="ru-RU" sz="2800" dirty="0"/>
           </a:p>
           <a:p>
             <a:pPr marL="342900" indent="-342900"/>
@@ -8174,7 +8221,6 @@
               <a:rPr lang="ru-RU" sz="2800" dirty="0"/>
               <a:t>часть приложения</a:t>
             </a:r>
-            <a:endParaRPr lang="ru-RU" sz="2800" dirty="0"/>
           </a:p>
         </p:txBody>
       </p:sp>

--- a/Материалы/Презентация к курсовому проекту.pptx
+++ b/Материалы/Презентация к курсовому проекту.pptx
@@ -304,7 +304,7 @@
           <a:p>
             <a:fld id="{29F4B57B-1444-4D1D-A91C-A41998AB2002}" type="datetimeFigureOut">
               <a:rPr lang="ru-RU" smtClean="0"/>
-              <a:t>15.06.2023</a:t>
+              <a:t>19.06.2023</a:t>
             </a:fld>
             <a:endParaRPr lang="ru-RU"/>
           </a:p>
@@ -642,7 +642,7 @@
           <a:p>
             <a:fld id="{29F4B57B-1444-4D1D-A91C-A41998AB2002}" type="datetimeFigureOut">
               <a:rPr lang="ru-RU" smtClean="0"/>
-              <a:t>15.06.2023</a:t>
+              <a:t>19.06.2023</a:t>
             </a:fld>
             <a:endParaRPr lang="ru-RU"/>
           </a:p>
@@ -1043,7 +1043,7 @@
           <a:p>
             <a:fld id="{29F4B57B-1444-4D1D-A91C-A41998AB2002}" type="datetimeFigureOut">
               <a:rPr lang="ru-RU" smtClean="0"/>
-              <a:t>15.06.2023</a:t>
+              <a:t>19.06.2023</a:t>
             </a:fld>
             <a:endParaRPr lang="ru-RU"/>
           </a:p>
@@ -1379,7 +1379,7 @@
           <a:p>
             <a:fld id="{29F4B57B-1444-4D1D-A91C-A41998AB2002}" type="datetimeFigureOut">
               <a:rPr lang="ru-RU" smtClean="0"/>
-              <a:t>15.06.2023</a:t>
+              <a:t>19.06.2023</a:t>
             </a:fld>
             <a:endParaRPr lang="ru-RU"/>
           </a:p>
@@ -1699,7 +1699,7 @@
           <a:p>
             <a:fld id="{29F4B57B-1444-4D1D-A91C-A41998AB2002}" type="datetimeFigureOut">
               <a:rPr lang="ru-RU" smtClean="0"/>
-              <a:t>15.06.2023</a:t>
+              <a:t>19.06.2023</a:t>
             </a:fld>
             <a:endParaRPr lang="ru-RU"/>
           </a:p>
@@ -2095,7 +2095,7 @@
           <a:p>
             <a:fld id="{29F4B57B-1444-4D1D-A91C-A41998AB2002}" type="datetimeFigureOut">
               <a:rPr lang="ru-RU" smtClean="0"/>
-              <a:t>15.06.2023</a:t>
+              <a:t>19.06.2023</a:t>
             </a:fld>
             <a:endParaRPr lang="ru-RU"/>
           </a:p>
@@ -2352,7 +2352,7 @@
           <a:p>
             <a:fld id="{29F4B57B-1444-4D1D-A91C-A41998AB2002}" type="datetimeFigureOut">
               <a:rPr lang="ru-RU" smtClean="0"/>
-              <a:t>15.06.2023</a:t>
+              <a:t>19.06.2023</a:t>
             </a:fld>
             <a:endParaRPr lang="ru-RU"/>
           </a:p>
@@ -2614,7 +2614,7 @@
           <a:p>
             <a:fld id="{29F4B57B-1444-4D1D-A91C-A41998AB2002}" type="datetimeFigureOut">
               <a:rPr lang="ru-RU" smtClean="0"/>
-              <a:t>15.06.2023</a:t>
+              <a:t>19.06.2023</a:t>
             </a:fld>
             <a:endParaRPr lang="ru-RU"/>
           </a:p>
@@ -2876,7 +2876,7 @@
           <a:p>
             <a:fld id="{29F4B57B-1444-4D1D-A91C-A41998AB2002}" type="datetimeFigureOut">
               <a:rPr lang="ru-RU" smtClean="0"/>
-              <a:t>15.06.2023</a:t>
+              <a:t>19.06.2023</a:t>
             </a:fld>
             <a:endParaRPr lang="ru-RU"/>
           </a:p>
@@ -3205,7 +3205,7 @@
           <a:p>
             <a:fld id="{29F4B57B-1444-4D1D-A91C-A41998AB2002}" type="datetimeFigureOut">
               <a:rPr lang="ru-RU" smtClean="0"/>
-              <a:t>15.06.2023</a:t>
+              <a:t>19.06.2023</a:t>
             </a:fld>
             <a:endParaRPr lang="ru-RU"/>
           </a:p>
@@ -3528,7 +3528,7 @@
           <a:p>
             <a:fld id="{29F4B57B-1444-4D1D-A91C-A41998AB2002}" type="datetimeFigureOut">
               <a:rPr lang="ru-RU" smtClean="0"/>
-              <a:t>15.06.2023</a:t>
+              <a:t>19.06.2023</a:t>
             </a:fld>
             <a:endParaRPr lang="ru-RU"/>
           </a:p>
@@ -3985,7 +3985,7 @@
           <a:p>
             <a:fld id="{29F4B57B-1444-4D1D-A91C-A41998AB2002}" type="datetimeFigureOut">
               <a:rPr lang="ru-RU" smtClean="0"/>
-              <a:t>15.06.2023</a:t>
+              <a:t>19.06.2023</a:t>
             </a:fld>
             <a:endParaRPr lang="ru-RU"/>
           </a:p>
@@ -4190,7 +4190,7 @@
           <a:p>
             <a:fld id="{29F4B57B-1444-4D1D-A91C-A41998AB2002}" type="datetimeFigureOut">
               <a:rPr lang="ru-RU" smtClean="0"/>
-              <a:t>15.06.2023</a:t>
+              <a:t>19.06.2023</a:t>
             </a:fld>
             <a:endParaRPr lang="ru-RU"/>
           </a:p>
@@ -4367,7 +4367,7 @@
           <a:p>
             <a:fld id="{29F4B57B-1444-4D1D-A91C-A41998AB2002}" type="datetimeFigureOut">
               <a:rPr lang="ru-RU" smtClean="0"/>
-              <a:t>15.06.2023</a:t>
+              <a:t>19.06.2023</a:t>
             </a:fld>
             <a:endParaRPr lang="ru-RU"/>
           </a:p>
@@ -4700,7 +4700,7 @@
           <a:p>
             <a:fld id="{29F4B57B-1444-4D1D-A91C-A41998AB2002}" type="datetimeFigureOut">
               <a:rPr lang="ru-RU" smtClean="0"/>
-              <a:t>15.06.2023</a:t>
+              <a:t>19.06.2023</a:t>
             </a:fld>
             <a:endParaRPr lang="ru-RU"/>
           </a:p>
@@ -5045,7 +5045,7 @@
           <a:p>
             <a:fld id="{29F4B57B-1444-4D1D-A91C-A41998AB2002}" type="datetimeFigureOut">
               <a:rPr lang="ru-RU" smtClean="0"/>
-              <a:t>15.06.2023</a:t>
+              <a:t>19.06.2023</a:t>
             </a:fld>
             <a:endParaRPr lang="ru-RU"/>
           </a:p>
@@ -7162,7 +7162,7 @@
           <a:p>
             <a:fld id="{29F4B57B-1444-4D1D-A91C-A41998AB2002}" type="datetimeFigureOut">
               <a:rPr lang="ru-RU" smtClean="0"/>
-              <a:t>15.06.2023</a:t>
+              <a:t>19.06.2023</a:t>
             </a:fld>
             <a:endParaRPr lang="ru-RU"/>
           </a:p>
@@ -7737,11 +7737,7 @@
             <a:pPr algn="r"/>
             <a:r>
               <a:rPr lang="ru-RU" dirty="0" smtClean="0"/>
-              <a:t>Кузнецов </a:t>
-            </a:r>
-            <a:r>
-              <a:rPr lang="ru-RU" dirty="0" smtClean="0"/>
-              <a:t>Никита 4-ИС-2</a:t>
+              <a:t>Кузнецов Никита 4-ИС-2</a:t>
             </a:r>
             <a:endParaRPr lang="ru-RU" dirty="0"/>
           </a:p>
@@ -7862,7 +7858,15 @@
             <a:pPr algn="ctr"/>
             <a:r>
               <a:rPr lang="ru-RU" dirty="0"/>
-              <a:t>Цели курсового проекта</a:t>
+              <a:t>Цели </a:t>
+            </a:r>
+            <a:r>
+              <a:rPr lang="ru-RU" dirty="0" smtClean="0"/>
+              <a:t>дипломного </a:t>
+            </a:r>
+            <a:r>
+              <a:rPr lang="ru-RU" dirty="0"/>
+              <a:t>проекта</a:t>
             </a:r>
           </a:p>
         </p:txBody>
